--- a/KinectCapture/Capturing_XYZRGB_data_with_Microsoft_Kinect.pptx
+++ b/KinectCapture/Capturing_XYZRGB_data_with_Microsoft_Kinect.pptx
@@ -8,11 +8,12 @@
     <p:sldId id="256" r:id="rId2"/>
     <p:sldId id="257" r:id="rId3"/>
     <p:sldId id="259" r:id="rId4"/>
-    <p:sldId id="258" r:id="rId5"/>
-    <p:sldId id="260" r:id="rId6"/>
-    <p:sldId id="261" r:id="rId7"/>
-    <p:sldId id="262" r:id="rId8"/>
-    <p:sldId id="263" r:id="rId9"/>
+    <p:sldId id="264" r:id="rId5"/>
+    <p:sldId id="258" r:id="rId6"/>
+    <p:sldId id="260" r:id="rId7"/>
+    <p:sldId id="261" r:id="rId8"/>
+    <p:sldId id="262" r:id="rId9"/>
+    <p:sldId id="263" r:id="rId10"/>
   </p:sldIdLst>
   <p:sldSz cx="12192000" cy="6858000"/>
   <p:notesSz cx="6858000" cy="9144000"/>
@@ -248,7 +249,7 @@
           <a:p>
             <a:fld id="{6EF2BB60-BA4A-48AE-9763-92E5CD429945}" type="datetimeFigureOut">
               <a:rPr lang="en-US" smtClean="0"/>
-              <a:t>12/8/2016</a:t>
+              <a:t>1/19/2017</a:t>
             </a:fld>
             <a:endParaRPr lang="en-US"/>
           </a:p>
@@ -416,7 +417,7 @@
           <a:p>
             <a:fld id="{6EF2BB60-BA4A-48AE-9763-92E5CD429945}" type="datetimeFigureOut">
               <a:rPr lang="en-US" smtClean="0"/>
-              <a:t>12/8/2016</a:t>
+              <a:t>1/19/2017</a:t>
             </a:fld>
             <a:endParaRPr lang="en-US"/>
           </a:p>
@@ -594,7 +595,7 @@
           <a:p>
             <a:fld id="{6EF2BB60-BA4A-48AE-9763-92E5CD429945}" type="datetimeFigureOut">
               <a:rPr lang="en-US" smtClean="0"/>
-              <a:t>12/8/2016</a:t>
+              <a:t>1/19/2017</a:t>
             </a:fld>
             <a:endParaRPr lang="en-US"/>
           </a:p>
@@ -762,7 +763,7 @@
           <a:p>
             <a:fld id="{6EF2BB60-BA4A-48AE-9763-92E5CD429945}" type="datetimeFigureOut">
               <a:rPr lang="en-US" smtClean="0"/>
-              <a:t>12/8/2016</a:t>
+              <a:t>1/19/2017</a:t>
             </a:fld>
             <a:endParaRPr lang="en-US"/>
           </a:p>
@@ -1007,7 +1008,7 @@
           <a:p>
             <a:fld id="{6EF2BB60-BA4A-48AE-9763-92E5CD429945}" type="datetimeFigureOut">
               <a:rPr lang="en-US" smtClean="0"/>
-              <a:t>12/8/2016</a:t>
+              <a:t>1/19/2017</a:t>
             </a:fld>
             <a:endParaRPr lang="en-US"/>
           </a:p>
@@ -1236,7 +1237,7 @@
           <a:p>
             <a:fld id="{6EF2BB60-BA4A-48AE-9763-92E5CD429945}" type="datetimeFigureOut">
               <a:rPr lang="en-US" smtClean="0"/>
-              <a:t>12/8/2016</a:t>
+              <a:t>1/19/2017</a:t>
             </a:fld>
             <a:endParaRPr lang="en-US"/>
           </a:p>
@@ -1600,7 +1601,7 @@
           <a:p>
             <a:fld id="{6EF2BB60-BA4A-48AE-9763-92E5CD429945}" type="datetimeFigureOut">
               <a:rPr lang="en-US" smtClean="0"/>
-              <a:t>12/8/2016</a:t>
+              <a:t>1/19/2017</a:t>
             </a:fld>
             <a:endParaRPr lang="en-US"/>
           </a:p>
@@ -1717,7 +1718,7 @@
           <a:p>
             <a:fld id="{6EF2BB60-BA4A-48AE-9763-92E5CD429945}" type="datetimeFigureOut">
               <a:rPr lang="en-US" smtClean="0"/>
-              <a:t>12/8/2016</a:t>
+              <a:t>1/19/2017</a:t>
             </a:fld>
             <a:endParaRPr lang="en-US"/>
           </a:p>
@@ -1812,7 +1813,7 @@
           <a:p>
             <a:fld id="{6EF2BB60-BA4A-48AE-9763-92E5CD429945}" type="datetimeFigureOut">
               <a:rPr lang="en-US" smtClean="0"/>
-              <a:t>12/8/2016</a:t>
+              <a:t>1/19/2017</a:t>
             </a:fld>
             <a:endParaRPr lang="en-US"/>
           </a:p>
@@ -2087,7 +2088,7 @@
           <a:p>
             <a:fld id="{6EF2BB60-BA4A-48AE-9763-92E5CD429945}" type="datetimeFigureOut">
               <a:rPr lang="en-US" smtClean="0"/>
-              <a:t>12/8/2016</a:t>
+              <a:t>1/19/2017</a:t>
             </a:fld>
             <a:endParaRPr lang="en-US"/>
           </a:p>
@@ -2339,7 +2340,7 @@
           <a:p>
             <a:fld id="{6EF2BB60-BA4A-48AE-9763-92E5CD429945}" type="datetimeFigureOut">
               <a:rPr lang="en-US" smtClean="0"/>
-              <a:t>12/8/2016</a:t>
+              <a:t>1/19/2017</a:t>
             </a:fld>
             <a:endParaRPr lang="en-US"/>
           </a:p>
@@ -2550,7 +2551,7 @@
           <a:p>
             <a:fld id="{6EF2BB60-BA4A-48AE-9763-92E5CD429945}" type="datetimeFigureOut">
               <a:rPr lang="en-US" smtClean="0"/>
-              <a:t>12/8/2016</a:t>
+              <a:t>1/19/2017</a:t>
             </a:fld>
             <a:endParaRPr lang="en-US"/>
           </a:p>
@@ -3952,6 +3953,99 @@
       </p:grpSpPr>
       <p:pic>
         <p:nvPicPr>
+          <p:cNvPr id="2" name="Picture 1"/>
+          <p:cNvPicPr>
+            <a:picLocks noChangeAspect="1"/>
+          </p:cNvPicPr>
+          <p:nvPr/>
+        </p:nvPicPr>
+        <p:blipFill>
+          <a:blip r:embed="rId2"/>
+          <a:stretch>
+            <a:fillRect/>
+          </a:stretch>
+        </p:blipFill>
+        <p:spPr>
+          <a:xfrm>
+            <a:off x="2898516" y="417350"/>
+            <a:ext cx="5200650" cy="3448050"/>
+          </a:xfrm>
+          <a:prstGeom prst="rect">
+            <a:avLst/>
+          </a:prstGeom>
+        </p:spPr>
+      </p:pic>
+      <p:sp>
+        <p:nvSpPr>
+          <p:cNvPr id="3" name="Rectangle 2"/>
+          <p:cNvSpPr/>
+          <p:nvPr/>
+        </p:nvSpPr>
+        <p:spPr>
+          <a:xfrm>
+            <a:off x="2729218" y="4242138"/>
+            <a:ext cx="6096000" cy="2031325"/>
+          </a:xfrm>
+          <a:prstGeom prst="rect">
+            <a:avLst/>
+          </a:prstGeom>
+        </p:spPr>
+        <p:txBody>
+          <a:bodyPr>
+            <a:spAutoFit/>
+          </a:bodyPr>
+          <a:lstStyle/>
+          <a:p>
+            <a:r>
+              <a:rPr lang="en-US" dirty="0"/>
+              <a:t>The interaction space is defined by the field of view of the Kinect cameras, which is listed in </a:t>
+            </a:r>
+            <a:r>
+              <a:rPr lang="en-US" dirty="0">
+                <a:hlinkClick r:id="rId3"/>
+              </a:rPr>
+              <a:t>Kinect for Windows Sensor Components and Specifications</a:t>
+            </a:r>
+            <a:r>
+              <a:rPr lang="en-US" dirty="0"/>
+              <a:t>. To increase the possible interaction space, tilt the sensor using the built-in tilt motor. The tilt motor supports an additional +27 and -27 degrees, which greatly increases the possible interaction space in front of the sensor.</a:t>
+            </a:r>
+            <a:endParaRPr lang="en-US" dirty="0"/>
+          </a:p>
+        </p:txBody>
+      </p:sp>
+    </p:spTree>
+    <p:extLst>
+      <p:ext uri="{BB962C8B-B14F-4D97-AF65-F5344CB8AC3E}">
+        <p14:creationId xmlns:p14="http://schemas.microsoft.com/office/powerpoint/2010/main" val="922064390"/>
+      </p:ext>
+    </p:extLst>
+  </p:cSld>
+  <p:clrMapOvr>
+    <a:masterClrMapping/>
+  </p:clrMapOvr>
+</p:sld>
+</file>
+
+<file path=ppt/slides/slide5.xml><?xml version="1.0" encoding="utf-8"?>
+<p:sld xmlns:a="http://schemas.openxmlformats.org/drawingml/2006/main" xmlns:r="http://schemas.openxmlformats.org/officeDocument/2006/relationships" xmlns:p="http://schemas.openxmlformats.org/presentationml/2006/main">
+  <p:cSld>
+    <p:spTree>
+      <p:nvGrpSpPr>
+        <p:cNvPr id="1" name=""/>
+        <p:cNvGrpSpPr/>
+        <p:nvPr/>
+      </p:nvGrpSpPr>
+      <p:grpSpPr>
+        <a:xfrm>
+          <a:off x="0" y="0"/>
+          <a:ext cx="0" cy="0"/>
+          <a:chOff x="0" y="0"/>
+          <a:chExt cx="0" cy="0"/>
+        </a:xfrm>
+      </p:grpSpPr>
+      <p:pic>
+        <p:nvPicPr>
           <p:cNvPr id="2050" name="Picture 2" descr="Dn785530.k4w_camera_space(en-us,IEB.10).png"/>
           <p:cNvPicPr>
             <a:picLocks noChangeAspect="1" noChangeArrowheads="1"/>
@@ -4106,7 +4200,7 @@
 </p:sld>
 </file>
 
-<file path=ppt/slides/slide5.xml><?xml version="1.0" encoding="utf-8"?>
+<file path=ppt/slides/slide6.xml><?xml version="1.0" encoding="utf-8"?>
 <p:sld xmlns:a="http://schemas.openxmlformats.org/drawingml/2006/main" xmlns:r="http://schemas.openxmlformats.org/officeDocument/2006/relationships" xmlns:p="http://schemas.openxmlformats.org/presentationml/2006/main">
   <p:cSld>
     <p:spTree>
@@ -4233,7 +4327,7 @@
 </p:sld>
 </file>
 
-<file path=ppt/slides/slide6.xml><?xml version="1.0" encoding="utf-8"?>
+<file path=ppt/slides/slide7.xml><?xml version="1.0" encoding="utf-8"?>
 <p:sld xmlns:a="http://schemas.openxmlformats.org/drawingml/2006/main" xmlns:r="http://schemas.openxmlformats.org/officeDocument/2006/relationships" xmlns:p="http://schemas.openxmlformats.org/presentationml/2006/main">
   <p:cSld>
     <p:spTree>
@@ -4368,7 +4462,7 @@
 </p:sld>
 </file>
 
-<file path=ppt/slides/slide7.xml><?xml version="1.0" encoding="utf-8"?>
+<file path=ppt/slides/slide8.xml><?xml version="1.0" encoding="utf-8"?>
 <p:sld xmlns:a="http://schemas.openxmlformats.org/drawingml/2006/main" xmlns:r="http://schemas.openxmlformats.org/officeDocument/2006/relationships" xmlns:p="http://schemas.openxmlformats.org/presentationml/2006/main">
   <p:cSld>
     <p:spTree>
@@ -4529,7 +4623,7 @@
 </p:sld>
 </file>
 
-<file path=ppt/slides/slide8.xml><?xml version="1.0" encoding="utf-8"?>
+<file path=ppt/slides/slide9.xml><?xml version="1.0" encoding="utf-8"?>
 <p:sld xmlns:a="http://schemas.openxmlformats.org/drawingml/2006/main" xmlns:r="http://schemas.openxmlformats.org/officeDocument/2006/relationships" xmlns:p="http://schemas.openxmlformats.org/presentationml/2006/main">
   <p:cSld>
     <p:spTree>
